--- a/src/doc/Présentation/Présentation.pptx
+++ b/src/doc/Présentation/Présentation.pptx
@@ -5,20 +5,19 @@
     <p:sldMasterId id="2147483672" r:id="rId1"/>
   </p:sldMasterIdLst>
   <p:notesMasterIdLst>
-    <p:notesMasterId r:id="rId13"/>
+    <p:notesMasterId r:id="rId12"/>
   </p:notesMasterIdLst>
   <p:sldIdLst>
     <p:sldId id="256" r:id="rId2"/>
     <p:sldId id="258" r:id="rId3"/>
     <p:sldId id="259" r:id="rId4"/>
     <p:sldId id="266" r:id="rId5"/>
-    <p:sldId id="260" r:id="rId6"/>
-    <p:sldId id="261" r:id="rId7"/>
-    <p:sldId id="263" r:id="rId8"/>
-    <p:sldId id="265" r:id="rId9"/>
-    <p:sldId id="267" r:id="rId10"/>
-    <p:sldId id="271" r:id="rId11"/>
-    <p:sldId id="262" r:id="rId12"/>
+    <p:sldId id="261" r:id="rId6"/>
+    <p:sldId id="263" r:id="rId7"/>
+    <p:sldId id="265" r:id="rId8"/>
+    <p:sldId id="267" r:id="rId9"/>
+    <p:sldId id="271" r:id="rId10"/>
+    <p:sldId id="262" r:id="rId11"/>
   </p:sldIdLst>
   <p:sldSz cx="9144000" cy="6858000" type="screen4x3"/>
   <p:notesSz cx="6858000" cy="9144000"/>
@@ -117,6 +116,22 @@
       </a:defRPr>
     </a:lvl9pPr>
   </p:defaultTextStyle>
+  <p:extLst>
+    <p:ext uri="{EFAFB233-063F-42B5-8137-9DF3F51BA10A}">
+      <p15:sldGuideLst xmlns:p15="http://schemas.microsoft.com/office/powerpoint/2012/main">
+        <p15:guide id="1" orient="horz" pos="2160">
+          <p15:clr>
+            <a:srgbClr val="A4A3A4"/>
+          </p15:clr>
+        </p15:guide>
+        <p15:guide id="2" pos="2880">
+          <p15:clr>
+            <a:srgbClr val="A4A3A4"/>
+          </p15:clr>
+        </p15:guide>
+      </p15:sldGuideLst>
+    </p:ext>
+  </p:extLst>
 </p:presentation>
 </file>
 
@@ -370,6 +385,11 @@
         </p:txBody>
       </p:sp>
     </p:spTree>
+    <p:extLst>
+      <p:ext uri="{BB962C8B-B14F-4D97-AF65-F5344CB8AC3E}">
+        <p14:creationId xmlns:p14="http://schemas.microsoft.com/office/powerpoint/2010/main" val="3868369136"/>
+      </p:ext>
+    </p:extLst>
   </p:cSld>
   <p:clrMap bg1="lt1" tx1="dk1" bg2="lt2" tx2="dk2" accent1="accent1" accent2="accent2" accent3="accent3" accent4="accent4" accent5="accent5" accent6="accent6" hlink="hlink" folHlink="folHlink"/>
   <p:notesStyle>
@@ -4287,23 +4307,8 @@
                 </a:solidFill>
                 <a:latin typeface="+mj-lt"/>
               </a:rPr>
-              <a:t>Projet </a:t>
-            </a:r>
-            <a:r>
-              <a:rPr lang="fr-FR" sz="3200" u="sng" dirty="0" smtClean="0">
-                <a:solidFill>
-                  <a:schemeClr val="bg1"/>
-                </a:solidFill>
-                <a:latin typeface="+mj-lt"/>
-              </a:rPr>
-              <a:t>SI</a:t>
-            </a:r>
-            <a:endParaRPr lang="fr-FR" sz="3200" u="sng" dirty="0" smtClean="0">
-              <a:solidFill>
-                <a:schemeClr val="bg1"/>
-              </a:solidFill>
-              <a:latin typeface="+mj-lt"/>
-            </a:endParaRPr>
+              <a:t>Projet SI</a:t>
+            </a:r>
           </a:p>
           <a:p>
             <a:pPr algn="ctr"/>
@@ -4371,7 +4376,7 @@
                 </a:solidFill>
                 <a:latin typeface="+mj-lt"/>
               </a:rPr>
-              <a:t>Issame</a:t>
+              <a:t>Isame</a:t>
             </a:r>
             <a:r>
               <a:rPr lang="fr-FR" sz="2000" dirty="0" smtClean="0">
@@ -4382,12 +4387,6 @@
               </a:rPr>
               <a:t> BELLAHSENE</a:t>
             </a:r>
-            <a:endParaRPr lang="fr-FR" sz="2000" dirty="0" smtClean="0">
-              <a:solidFill>
-                <a:schemeClr val="bg1"/>
-              </a:solidFill>
-              <a:latin typeface="+mj-lt"/>
-            </a:endParaRPr>
           </a:p>
           <a:p>
             <a:pPr algn="ctr"/>
@@ -4400,12 +4399,6 @@
               </a:rPr>
               <a:t>Jérémy ZAÏRE</a:t>
             </a:r>
-            <a:endParaRPr lang="fr-FR" sz="2000" dirty="0" smtClean="0">
-              <a:solidFill>
-                <a:schemeClr val="bg1"/>
-              </a:solidFill>
-              <a:latin typeface="+mj-lt"/>
-            </a:endParaRPr>
           </a:p>
         </p:txBody>
       </p:sp>
@@ -4472,383 +4465,6 @@
             <a:spLocks noGrp="1"/>
           </p:cNvSpPr>
           <p:nvPr>
-            <p:ph type="title"/>
-          </p:nvPr>
-        </p:nvSpPr>
-        <p:spPr>
-          <a:xfrm>
-            <a:off x="500034" y="285728"/>
-            <a:ext cx="8229600" cy="1143000"/>
-          </a:xfrm>
-        </p:spPr>
-        <p:txBody>
-          <a:bodyPr/>
-          <a:lstStyle/>
-          <a:p>
-            <a:pPr algn="ctr"/>
-            <a:r>
-              <a:rPr lang="fr-FR" dirty="0" smtClean="0"/>
-              <a:t>Problèmes </a:t>
-            </a:r>
-            <a:r>
-              <a:rPr lang="fr-FR" dirty="0" smtClean="0"/>
-              <a:t>rencontrés</a:t>
-            </a:r>
-            <a:endParaRPr lang="fr-FR" dirty="0"/>
-          </a:p>
-        </p:txBody>
-      </p:sp>
-      <p:sp>
-        <p:nvSpPr>
-          <p:cNvPr id="3" name="Espace réservé du contenu 2"/>
-          <p:cNvSpPr>
-            <a:spLocks noGrp="1"/>
-          </p:cNvSpPr>
-          <p:nvPr>
-            <p:ph idx="1"/>
-          </p:nvPr>
-        </p:nvSpPr>
-        <p:spPr>
-          <a:xfrm>
-            <a:off x="500034" y="1571612"/>
-            <a:ext cx="8229600" cy="5000660"/>
-          </a:xfrm>
-        </p:spPr>
-        <p:txBody>
-          <a:bodyPr/>
-          <a:lstStyle/>
-          <a:p>
-            <a:pPr>
-              <a:buClr>
-                <a:schemeClr val="tx2">
-                  <a:lumMod val="75000"/>
-                </a:schemeClr>
-              </a:buClr>
-            </a:pPr>
-            <a:r>
-              <a:rPr lang="fr-FR" sz="2400" b="1" dirty="0" smtClean="0"/>
-              <a:t>Synchronisation des fichiers </a:t>
-            </a:r>
-            <a:r>
-              <a:rPr lang="fr-FR" sz="2400" b="1" dirty="0" smtClean="0">
-                <a:sym typeface="Wingdings" pitchFamily="2" charset="2"/>
-              </a:rPr>
-              <a:t> Utilisation de SVN</a:t>
-            </a:r>
-            <a:endParaRPr lang="fr-FR" sz="2400" b="1" dirty="0" smtClean="0"/>
-          </a:p>
-          <a:p>
-            <a:pPr>
-              <a:buClr>
-                <a:schemeClr val="tx2">
-                  <a:lumMod val="75000"/>
-                </a:schemeClr>
-              </a:buClr>
-            </a:pPr>
-            <a:endParaRPr lang="fr-FR" sz="2400" b="1" dirty="0" smtClean="0"/>
-          </a:p>
-          <a:p>
-            <a:pPr>
-              <a:buClr>
-                <a:schemeClr val="tx2">
-                  <a:lumMod val="75000"/>
-                </a:schemeClr>
-              </a:buClr>
-            </a:pPr>
-            <a:endParaRPr lang="fr-FR" sz="2400" b="1" dirty="0" smtClean="0"/>
-          </a:p>
-          <a:p>
-            <a:pPr>
-              <a:buClr>
-                <a:schemeClr val="tx2">
-                  <a:lumMod val="75000"/>
-                </a:schemeClr>
-              </a:buClr>
-            </a:pPr>
-            <a:r>
-              <a:rPr lang="fr-FR" sz="2400" b="1" dirty="0" smtClean="0"/>
-              <a:t>Problèmes de comptabilité site en ligne</a:t>
-            </a:r>
-            <a:endParaRPr lang="fr-FR" sz="2400" b="1" dirty="0" smtClean="0"/>
-          </a:p>
-          <a:p>
-            <a:pPr>
-              <a:buClr>
-                <a:schemeClr val="tx2">
-                  <a:lumMod val="75000"/>
-                </a:schemeClr>
-              </a:buClr>
-            </a:pPr>
-            <a:endParaRPr lang="fr-FR" sz="2400" b="1" dirty="0" smtClean="0"/>
-          </a:p>
-          <a:p>
-            <a:pPr>
-              <a:buClr>
-                <a:schemeClr val="tx2">
-                  <a:lumMod val="75000"/>
-                </a:schemeClr>
-              </a:buClr>
-            </a:pPr>
-            <a:endParaRPr lang="fr-FR" sz="2400" b="1" dirty="0" smtClean="0"/>
-          </a:p>
-          <a:p>
-            <a:pPr>
-              <a:buClr>
-                <a:schemeClr val="tx2">
-                  <a:lumMod val="75000"/>
-                </a:schemeClr>
-              </a:buClr>
-            </a:pPr>
-            <a:r>
-              <a:rPr lang="fr-FR" sz="2400" b="1" dirty="0" smtClean="0"/>
-              <a:t>Organisation des fichiers </a:t>
-            </a:r>
-            <a:r>
-              <a:rPr lang="fr-FR" sz="2400" b="1" dirty="0" smtClean="0">
-                <a:sym typeface="Wingdings" pitchFamily="2" charset="2"/>
-              </a:rPr>
-              <a:t> Modèle MVC</a:t>
-            </a:r>
-          </a:p>
-          <a:p>
-            <a:pPr>
-              <a:buClr>
-                <a:schemeClr val="tx2">
-                  <a:lumMod val="75000"/>
-                </a:schemeClr>
-              </a:buClr>
-            </a:pPr>
-            <a:endParaRPr lang="fr-FR" sz="2400" b="1" dirty="0" smtClean="0">
-              <a:sym typeface="Wingdings" pitchFamily="2" charset="2"/>
-            </a:endParaRPr>
-          </a:p>
-          <a:p>
-            <a:pPr>
-              <a:buClr>
-                <a:schemeClr val="tx2">
-                  <a:lumMod val="75000"/>
-                </a:schemeClr>
-              </a:buClr>
-            </a:pPr>
-            <a:endParaRPr lang="fr-FR" sz="2400" b="1" dirty="0" smtClean="0">
-              <a:sym typeface="Wingdings" pitchFamily="2" charset="2"/>
-            </a:endParaRPr>
-          </a:p>
-          <a:p>
-            <a:pPr>
-              <a:buClr>
-                <a:schemeClr val="tx2">
-                  <a:lumMod val="75000"/>
-                </a:schemeClr>
-              </a:buClr>
-            </a:pPr>
-            <a:r>
-              <a:rPr lang="fr-FR" sz="2400" b="1" dirty="0" smtClean="0">
-                <a:sym typeface="Wingdings" pitchFamily="2" charset="2"/>
-              </a:rPr>
-              <a:t>Coupure internet chez l’un de nous</a:t>
-            </a:r>
-            <a:endParaRPr lang="fr-FR" sz="2400" b="1" dirty="0" smtClean="0"/>
-          </a:p>
-          <a:p>
-            <a:pPr>
-              <a:buClr>
-                <a:schemeClr val="tx2">
-                  <a:lumMod val="75000"/>
-                </a:schemeClr>
-              </a:buClr>
-              <a:buNone/>
-            </a:pPr>
-            <a:endParaRPr lang="fr-FR" sz="2400" b="1" dirty="0" smtClean="0"/>
-          </a:p>
-          <a:p>
-            <a:pPr>
-              <a:buClr>
-                <a:schemeClr val="tx2">
-                  <a:lumMod val="75000"/>
-                </a:schemeClr>
-              </a:buClr>
-            </a:pPr>
-            <a:endParaRPr lang="fr-FR" sz="2400" b="1" dirty="0" smtClean="0"/>
-          </a:p>
-          <a:p>
-            <a:pPr>
-              <a:buClr>
-                <a:schemeClr val="tx2">
-                  <a:lumMod val="75000"/>
-                </a:schemeClr>
-              </a:buClr>
-              <a:buNone/>
-            </a:pPr>
-            <a:endParaRPr lang="fr-FR" sz="2400" b="1" dirty="0" smtClean="0"/>
-          </a:p>
-          <a:p>
-            <a:pPr>
-              <a:buClr>
-                <a:schemeClr val="tx2">
-                  <a:lumMod val="75000"/>
-                </a:schemeClr>
-              </a:buClr>
-            </a:pPr>
-            <a:endParaRPr lang="fr-FR" sz="2400" b="1" dirty="0" smtClean="0"/>
-          </a:p>
-          <a:p>
-            <a:pPr>
-              <a:buClr>
-                <a:schemeClr val="tx2">
-                  <a:lumMod val="75000"/>
-                </a:schemeClr>
-              </a:buClr>
-            </a:pPr>
-            <a:endParaRPr lang="fr-FR" sz="2200" b="1" dirty="0" smtClean="0"/>
-          </a:p>
-          <a:p>
-            <a:pPr lvl="1">
-              <a:buClr>
-                <a:schemeClr val="tx2">
-                  <a:lumMod val="75000"/>
-                </a:schemeClr>
-              </a:buClr>
-              <a:buNone/>
-            </a:pPr>
-            <a:endParaRPr lang="fr-FR" sz="2200" dirty="0" smtClean="0"/>
-          </a:p>
-          <a:p>
-            <a:pPr lvl="1">
-              <a:buClr>
-                <a:schemeClr val="tx2">
-                  <a:lumMod val="75000"/>
-                </a:schemeClr>
-              </a:buClr>
-              <a:buFont typeface="Wingdings" pitchFamily="2" charset="2"/>
-              <a:buChar char="Ø"/>
-            </a:pPr>
-            <a:endParaRPr lang="fr-FR" sz="2200" dirty="0" smtClean="0"/>
-          </a:p>
-          <a:p>
-            <a:pPr>
-              <a:buClr>
-                <a:schemeClr val="tx2">
-                  <a:lumMod val="75000"/>
-                </a:schemeClr>
-              </a:buClr>
-              <a:buNone/>
-            </a:pPr>
-            <a:endParaRPr lang="fr-FR" sz="2200" dirty="0" smtClean="0"/>
-          </a:p>
-          <a:p>
-            <a:pPr lvl="1">
-              <a:buClr>
-                <a:schemeClr val="tx2">
-                  <a:lumMod val="75000"/>
-                </a:schemeClr>
-              </a:buClr>
-              <a:buFont typeface="Wingdings" pitchFamily="2" charset="2"/>
-              <a:buChar char="Ø"/>
-            </a:pPr>
-            <a:endParaRPr lang="fr-FR" sz="2000" dirty="0" smtClean="0"/>
-          </a:p>
-          <a:p>
-            <a:pPr lvl="1">
-              <a:buClr>
-                <a:schemeClr val="tx2">
-                  <a:lumMod val="75000"/>
-                </a:schemeClr>
-              </a:buClr>
-              <a:buNone/>
-            </a:pPr>
-            <a:endParaRPr lang="fr-FR" dirty="0" smtClean="0"/>
-          </a:p>
-          <a:p>
-            <a:pPr>
-              <a:buClr>
-                <a:schemeClr val="tx2">
-                  <a:lumMod val="75000"/>
-                </a:schemeClr>
-              </a:buClr>
-              <a:buFont typeface="Wingdings" pitchFamily="2" charset="2"/>
-              <a:buChar char="v"/>
-            </a:pPr>
-            <a:endParaRPr lang="fr-FR" dirty="0" smtClean="0"/>
-          </a:p>
-          <a:p>
-            <a:pPr marL="514350" indent="-514350">
-              <a:buFont typeface="Wingdings" pitchFamily="2" charset="2"/>
-              <a:buChar char="Ø"/>
-            </a:pPr>
-            <a:endParaRPr lang="fr-FR" dirty="0" smtClean="0"/>
-          </a:p>
-          <a:p>
-            <a:endParaRPr lang="fr-FR" dirty="0" smtClean="0"/>
-          </a:p>
-          <a:p>
-            <a:endParaRPr lang="fr-FR" dirty="0" smtClean="0"/>
-          </a:p>
-        </p:txBody>
-      </p:sp>
-      <p:sp>
-        <p:nvSpPr>
-          <p:cNvPr id="4" name="Espace réservé du numéro de diapositive 3"/>
-          <p:cNvSpPr>
-            <a:spLocks noGrp="1"/>
-          </p:cNvSpPr>
-          <p:nvPr>
-            <p:ph type="sldNum" sz="quarter" idx="12"/>
-          </p:nvPr>
-        </p:nvSpPr>
-        <p:spPr/>
-        <p:txBody>
-          <a:bodyPr/>
-          <a:lstStyle/>
-          <a:p>
-            <a:fld id="{8445DAFC-00DE-4F33-9F2C-7CDA0BB3D3D2}" type="slidenum">
-              <a:rPr lang="fr-FR" smtClean="0"/>
-              <a:pPr/>
-              <a:t>10</a:t>
-            </a:fld>
-            <a:endParaRPr lang="fr-FR" dirty="0"/>
-          </a:p>
-        </p:txBody>
-      </p:sp>
-    </p:spTree>
-  </p:cSld>
-  <p:clrMapOvr>
-    <a:masterClrMapping/>
-  </p:clrMapOvr>
-  <p:timing>
-    <p:tnLst>
-      <p:par>
-        <p:cTn id="1" dur="indefinite" restart="never" nodeType="tmRoot"/>
-      </p:par>
-    </p:tnLst>
-  </p:timing>
-</p:sld>
-</file>
-
-<file path=ppt/slides/slide11.xml><?xml version="1.0" encoding="utf-8"?>
-<p:sld xmlns:a="http://schemas.openxmlformats.org/drawingml/2006/main" xmlns:r="http://schemas.openxmlformats.org/officeDocument/2006/relationships" xmlns:p="http://schemas.openxmlformats.org/presentationml/2006/main">
-  <p:cSld>
-    <p:spTree>
-      <p:nvGrpSpPr>
-        <p:cNvPr id="1" name=""/>
-        <p:cNvGrpSpPr/>
-        <p:nvPr/>
-      </p:nvGrpSpPr>
-      <p:grpSpPr>
-        <a:xfrm>
-          <a:off x="0" y="0"/>
-          <a:ext cx="0" cy="0"/>
-          <a:chOff x="0" y="0"/>
-          <a:chExt cx="0" cy="0"/>
-        </a:xfrm>
-      </p:grpSpPr>
-      <p:sp>
-        <p:nvSpPr>
-          <p:cNvPr id="2" name="Titre 1"/>
-          <p:cNvSpPr>
-            <a:spLocks noGrp="1"/>
-          </p:cNvSpPr>
-          <p:nvPr>
             <p:ph type="ctrTitle"/>
           </p:nvPr>
         </p:nvSpPr>
@@ -4921,7 +4537,7 @@
             <a:fld id="{8445DAFC-00DE-4F33-9F2C-7CDA0BB3D3D2}" type="slidenum">
               <a:rPr lang="fr-FR" smtClean="0"/>
               <a:pPr/>
-              <a:t>11</a:t>
+              <a:t>10</a:t>
             </a:fld>
             <a:endParaRPr lang="fr-FR" dirty="0"/>
           </a:p>
@@ -5021,7 +4637,6 @@
               <a:rPr lang="fr-FR" dirty="0" smtClean="0"/>
               <a:t>Un blog évolutif, paramétrables et ergonomique</a:t>
             </a:r>
-            <a:endParaRPr lang="fr-FR" dirty="0" smtClean="0"/>
           </a:p>
           <a:p>
             <a:pPr>
@@ -5035,7 +4650,6 @@
               <a:rPr lang="fr-FR" dirty="0" smtClean="0"/>
               <a:t>Page d’accueil</a:t>
             </a:r>
-            <a:endParaRPr lang="fr-FR" dirty="0" smtClean="0"/>
           </a:p>
           <a:p>
             <a:pPr>
@@ -5062,7 +4676,6 @@
               <a:rPr lang="fr-FR" dirty="0" smtClean="0"/>
               <a:t>Moyens techniques</a:t>
             </a:r>
-            <a:endParaRPr lang="fr-FR" dirty="0" smtClean="0"/>
           </a:p>
           <a:p>
             <a:pPr>
@@ -5089,7 +4702,6 @@
               <a:rPr lang="fr-FR" dirty="0" smtClean="0"/>
               <a:t>Ergonomie </a:t>
             </a:r>
-            <a:endParaRPr lang="fr-FR" dirty="0" smtClean="0"/>
           </a:p>
           <a:p>
             <a:pPr>
@@ -5101,13 +4713,8 @@
             </a:pPr>
             <a:r>
               <a:rPr lang="fr-FR" dirty="0" smtClean="0"/>
-              <a:t>Problèmes </a:t>
-            </a:r>
-            <a:r>
-              <a:rPr lang="fr-FR" dirty="0" smtClean="0"/>
-              <a:t>rencontrés</a:t>
-            </a:r>
-            <a:endParaRPr lang="fr-FR" dirty="0" smtClean="0"/>
+              <a:t>Problèmes rencontrés</a:t>
+            </a:r>
           </a:p>
           <a:p>
             <a:endParaRPr lang="fr-FR" dirty="0" smtClean="0"/>
@@ -5260,6 +4867,16 @@
               <a:rPr lang="fr-FR" sz="2200" b="1" dirty="0" smtClean="0"/>
               <a:t>Site web qui s’adapte aux petits formats comme au grand</a:t>
             </a:r>
+          </a:p>
+          <a:p>
+            <a:pPr>
+              <a:buClr>
+                <a:schemeClr val="tx2">
+                  <a:lumMod val="75000"/>
+                </a:schemeClr>
+              </a:buClr>
+              <a:buNone/>
+            </a:pPr>
             <a:endParaRPr lang="fr-FR" sz="2200" b="1" dirty="0" smtClean="0"/>
           </a:p>
           <a:p>
@@ -5269,56 +4886,15 @@
                   <a:lumMod val="75000"/>
                 </a:schemeClr>
               </a:buClr>
-              <a:buNone/>
-            </a:pPr>
-            <a:endParaRPr lang="fr-FR" sz="2200" b="1" dirty="0" smtClean="0"/>
-          </a:p>
-          <a:p>
-            <a:pPr>
-              <a:buClr>
-                <a:schemeClr val="tx2">
-                  <a:lumMod val="75000"/>
-                </a:schemeClr>
-              </a:buClr>
             </a:pPr>
             <a:r>
               <a:rPr lang="fr-FR" sz="2200" b="1" dirty="0" smtClean="0"/>
-              <a:t>Relié par une base de données</a:t>
-            </a:r>
-            <a:endParaRPr lang="fr-FR" sz="2200" b="1" dirty="0" smtClean="0"/>
-          </a:p>
-          <a:p>
-            <a:pPr>
-              <a:buClr>
-                <a:schemeClr val="tx2">
-                  <a:lumMod val="75000"/>
-                </a:schemeClr>
-              </a:buClr>
-            </a:pPr>
-            <a:endParaRPr lang="fr-FR" sz="2200" b="1" dirty="0" smtClean="0"/>
-          </a:p>
-          <a:p>
-            <a:pPr>
-              <a:buClr>
-                <a:schemeClr val="tx2">
-                  <a:lumMod val="75000"/>
-                </a:schemeClr>
-              </a:buClr>
-            </a:pPr>
+              <a:t>Relié par une base de </a:t>
+            </a:r>
             <a:r>
               <a:rPr lang="fr-FR" sz="2200" b="1" dirty="0" smtClean="0"/>
-              <a:t>Application attrayante pour attirer l’œil de l’enfant</a:t>
-            </a:r>
-          </a:p>
-          <a:p>
-            <a:pPr>
-              <a:buClr>
-                <a:schemeClr val="tx2">
-                  <a:lumMod val="75000"/>
-                </a:schemeClr>
-              </a:buClr>
-              <a:buNone/>
-            </a:pPr>
+              <a:t>données</a:t>
+            </a:r>
             <a:endParaRPr lang="fr-FR" sz="2200" dirty="0" smtClean="0"/>
           </a:p>
           <a:p>
@@ -5563,283 +5139,6 @@
           </a:xfrm>
         </p:spPr>
         <p:txBody>
-          <a:bodyPr/>
-          <a:lstStyle/>
-          <a:p>
-            <a:pPr algn="ctr"/>
-            <a:r>
-              <a:rPr lang="fr-FR" dirty="0" smtClean="0"/>
-              <a:t>Langage et choix techniques</a:t>
-            </a:r>
-            <a:endParaRPr lang="fr-FR" dirty="0"/>
-          </a:p>
-        </p:txBody>
-      </p:sp>
-      <p:sp>
-        <p:nvSpPr>
-          <p:cNvPr id="3" name="Espace réservé du contenu 2"/>
-          <p:cNvSpPr>
-            <a:spLocks noGrp="1"/>
-          </p:cNvSpPr>
-          <p:nvPr>
-            <p:ph idx="1"/>
-          </p:nvPr>
-        </p:nvSpPr>
-        <p:spPr>
-          <a:xfrm>
-            <a:off x="500034" y="1571612"/>
-            <a:ext cx="8229600" cy="5000660"/>
-          </a:xfrm>
-        </p:spPr>
-        <p:txBody>
-          <a:bodyPr/>
-          <a:lstStyle/>
-          <a:p>
-            <a:pPr>
-              <a:buClr>
-                <a:schemeClr val="tx2">
-                  <a:lumMod val="75000"/>
-                </a:schemeClr>
-              </a:buClr>
-            </a:pPr>
-            <a:r>
-              <a:rPr lang="fr-FR" sz="2400" b="1" dirty="0" smtClean="0"/>
-              <a:t>Utilisation du langage orienté objet JAVA</a:t>
-            </a:r>
-          </a:p>
-          <a:p>
-            <a:pPr>
-              <a:buClr>
-                <a:schemeClr val="tx2">
-                  <a:lumMod val="75000"/>
-                </a:schemeClr>
-              </a:buClr>
-            </a:pPr>
-            <a:endParaRPr lang="fr-FR" sz="2400" b="1" dirty="0" smtClean="0"/>
-          </a:p>
-          <a:p>
-            <a:pPr>
-              <a:buClr>
-                <a:schemeClr val="tx2">
-                  <a:lumMod val="75000"/>
-                </a:schemeClr>
-              </a:buClr>
-            </a:pPr>
-            <a:r>
-              <a:rPr lang="fr-FR" sz="2400" b="1" dirty="0" smtClean="0"/>
-              <a:t>Utilisation d’un site internet Free et d’une base SQL</a:t>
-            </a:r>
-          </a:p>
-          <a:p>
-            <a:pPr>
-              <a:buClr>
-                <a:schemeClr val="tx2">
-                  <a:lumMod val="75000"/>
-                </a:schemeClr>
-              </a:buClr>
-            </a:pPr>
-            <a:endParaRPr lang="fr-FR" sz="2400" b="1" dirty="0" smtClean="0"/>
-          </a:p>
-          <a:p>
-            <a:pPr>
-              <a:buClr>
-                <a:schemeClr val="tx2">
-                  <a:lumMod val="75000"/>
-                </a:schemeClr>
-              </a:buClr>
-            </a:pPr>
-            <a:r>
-              <a:rPr lang="fr-FR" sz="2400" b="1" dirty="0" smtClean="0"/>
-              <a:t>Librairie DbwConnection pour la liaison à la BDD</a:t>
-            </a:r>
-          </a:p>
-          <a:p>
-            <a:pPr>
-              <a:buClr>
-                <a:schemeClr val="tx2">
-                  <a:lumMod val="75000"/>
-                </a:schemeClr>
-              </a:buClr>
-            </a:pPr>
-            <a:endParaRPr lang="fr-FR" sz="2400" b="1" dirty="0" smtClean="0"/>
-          </a:p>
-          <a:p>
-            <a:pPr>
-              <a:buClr>
-                <a:schemeClr val="tx2">
-                  <a:lumMod val="75000"/>
-                </a:schemeClr>
-              </a:buClr>
-            </a:pPr>
-            <a:endParaRPr lang="fr-FR" sz="2400" b="1" dirty="0" smtClean="0"/>
-          </a:p>
-          <a:p>
-            <a:pPr>
-              <a:buClr>
-                <a:schemeClr val="tx2">
-                  <a:lumMod val="75000"/>
-                </a:schemeClr>
-              </a:buClr>
-            </a:pPr>
-            <a:endParaRPr lang="fr-FR" sz="2200" b="1" dirty="0" smtClean="0"/>
-          </a:p>
-          <a:p>
-            <a:pPr lvl="1">
-              <a:buClr>
-                <a:schemeClr val="tx2">
-                  <a:lumMod val="75000"/>
-                </a:schemeClr>
-              </a:buClr>
-              <a:buNone/>
-            </a:pPr>
-            <a:endParaRPr lang="fr-FR" sz="2200" dirty="0" smtClean="0"/>
-          </a:p>
-          <a:p>
-            <a:pPr lvl="1">
-              <a:buClr>
-                <a:schemeClr val="tx2">
-                  <a:lumMod val="75000"/>
-                </a:schemeClr>
-              </a:buClr>
-              <a:buFont typeface="Wingdings" pitchFamily="2" charset="2"/>
-              <a:buChar char="Ø"/>
-            </a:pPr>
-            <a:endParaRPr lang="fr-FR" sz="2200" dirty="0" smtClean="0"/>
-          </a:p>
-          <a:p>
-            <a:pPr>
-              <a:buClr>
-                <a:schemeClr val="tx2">
-                  <a:lumMod val="75000"/>
-                </a:schemeClr>
-              </a:buClr>
-              <a:buNone/>
-            </a:pPr>
-            <a:endParaRPr lang="fr-FR" sz="2200" dirty="0" smtClean="0"/>
-          </a:p>
-          <a:p>
-            <a:pPr lvl="1">
-              <a:buClr>
-                <a:schemeClr val="tx2">
-                  <a:lumMod val="75000"/>
-                </a:schemeClr>
-              </a:buClr>
-              <a:buFont typeface="Wingdings" pitchFamily="2" charset="2"/>
-              <a:buChar char="Ø"/>
-            </a:pPr>
-            <a:endParaRPr lang="fr-FR" sz="2000" dirty="0" smtClean="0"/>
-          </a:p>
-          <a:p>
-            <a:pPr lvl="1">
-              <a:buClr>
-                <a:schemeClr val="tx2">
-                  <a:lumMod val="75000"/>
-                </a:schemeClr>
-              </a:buClr>
-              <a:buNone/>
-            </a:pPr>
-            <a:endParaRPr lang="fr-FR" dirty="0" smtClean="0"/>
-          </a:p>
-          <a:p>
-            <a:pPr>
-              <a:buClr>
-                <a:schemeClr val="tx2">
-                  <a:lumMod val="75000"/>
-                </a:schemeClr>
-              </a:buClr>
-              <a:buFont typeface="Wingdings" pitchFamily="2" charset="2"/>
-              <a:buChar char="v"/>
-            </a:pPr>
-            <a:endParaRPr lang="fr-FR" dirty="0" smtClean="0"/>
-          </a:p>
-          <a:p>
-            <a:pPr marL="514350" indent="-514350">
-              <a:buFont typeface="Wingdings" pitchFamily="2" charset="2"/>
-              <a:buChar char="Ø"/>
-            </a:pPr>
-            <a:endParaRPr lang="fr-FR" dirty="0" smtClean="0"/>
-          </a:p>
-          <a:p>
-            <a:endParaRPr lang="fr-FR" dirty="0" smtClean="0"/>
-          </a:p>
-          <a:p>
-            <a:endParaRPr lang="fr-FR" dirty="0" smtClean="0"/>
-          </a:p>
-        </p:txBody>
-      </p:sp>
-      <p:sp>
-        <p:nvSpPr>
-          <p:cNvPr id="4" name="Espace réservé du numéro de diapositive 3"/>
-          <p:cNvSpPr>
-            <a:spLocks noGrp="1"/>
-          </p:cNvSpPr>
-          <p:nvPr>
-            <p:ph type="sldNum" sz="quarter" idx="12"/>
-          </p:nvPr>
-        </p:nvSpPr>
-        <p:spPr/>
-        <p:txBody>
-          <a:bodyPr/>
-          <a:lstStyle/>
-          <a:p>
-            <a:fld id="{8445DAFC-00DE-4F33-9F2C-7CDA0BB3D3D2}" type="slidenum">
-              <a:rPr lang="fr-FR" smtClean="0"/>
-              <a:pPr/>
-              <a:t>5</a:t>
-            </a:fld>
-            <a:endParaRPr lang="fr-FR" dirty="0"/>
-          </a:p>
-        </p:txBody>
-      </p:sp>
-    </p:spTree>
-  </p:cSld>
-  <p:clrMapOvr>
-    <a:masterClrMapping/>
-  </p:clrMapOvr>
-  <p:timing>
-    <p:tnLst>
-      <p:par>
-        <p:cTn id="1" dur="indefinite" restart="never" nodeType="tmRoot"/>
-      </p:par>
-    </p:tnLst>
-  </p:timing>
-</p:sld>
-</file>
-
-<file path=ppt/slides/slide6.xml><?xml version="1.0" encoding="utf-8"?>
-<p:sld xmlns:a="http://schemas.openxmlformats.org/drawingml/2006/main" xmlns:r="http://schemas.openxmlformats.org/officeDocument/2006/relationships" xmlns:p="http://schemas.openxmlformats.org/presentationml/2006/main">
-  <p:cSld>
-    <p:spTree>
-      <p:nvGrpSpPr>
-        <p:cNvPr id="1" name=""/>
-        <p:cNvGrpSpPr/>
-        <p:nvPr/>
-      </p:nvGrpSpPr>
-      <p:grpSpPr>
-        <a:xfrm>
-          <a:off x="0" y="0"/>
-          <a:ext cx="0" cy="0"/>
-          <a:chOff x="0" y="0"/>
-          <a:chExt cx="0" cy="0"/>
-        </a:xfrm>
-      </p:grpSpPr>
-      <p:sp>
-        <p:nvSpPr>
-          <p:cNvPr id="2" name="Titre 1"/>
-          <p:cNvSpPr>
-            <a:spLocks noGrp="1"/>
-          </p:cNvSpPr>
-          <p:nvPr>
-            <p:ph type="title"/>
-          </p:nvPr>
-        </p:nvSpPr>
-        <p:spPr>
-          <a:xfrm>
-            <a:off x="500034" y="285728"/>
-            <a:ext cx="8229600" cy="1143000"/>
-          </a:xfrm>
-        </p:spPr>
-        <p:txBody>
           <a:bodyPr>
             <a:normAutofit/>
           </a:bodyPr>
@@ -5872,7 +5171,7 @@
             <a:fld id="{8445DAFC-00DE-4F33-9F2C-7CDA0BB3D3D2}" type="slidenum">
               <a:rPr lang="fr-FR" smtClean="0"/>
               <a:pPr/>
-              <a:t>6</a:t>
+              <a:t>5</a:t>
             </a:fld>
             <a:endParaRPr lang="fr-FR" dirty="0"/>
           </a:p>
@@ -5917,6 +5216,333 @@
 </p:sld>
 </file>
 
+<file path=ppt/slides/slide6.xml><?xml version="1.0" encoding="utf-8"?>
+<p:sld xmlns:a="http://schemas.openxmlformats.org/drawingml/2006/main" xmlns:r="http://schemas.openxmlformats.org/officeDocument/2006/relationships" xmlns:p="http://schemas.openxmlformats.org/presentationml/2006/main">
+  <p:cSld>
+    <p:spTree>
+      <p:nvGrpSpPr>
+        <p:cNvPr id="1" name=""/>
+        <p:cNvGrpSpPr/>
+        <p:nvPr/>
+      </p:nvGrpSpPr>
+      <p:grpSpPr>
+        <a:xfrm>
+          <a:off x="0" y="0"/>
+          <a:ext cx="0" cy="0"/>
+          <a:chOff x="0" y="0"/>
+          <a:chExt cx="0" cy="0"/>
+        </a:xfrm>
+      </p:grpSpPr>
+      <p:sp>
+        <p:nvSpPr>
+          <p:cNvPr id="2" name="Titre 1"/>
+          <p:cNvSpPr>
+            <a:spLocks noGrp="1"/>
+          </p:cNvSpPr>
+          <p:nvPr>
+            <p:ph type="title"/>
+          </p:nvPr>
+        </p:nvSpPr>
+        <p:spPr>
+          <a:xfrm>
+            <a:off x="500034" y="285728"/>
+            <a:ext cx="8229600" cy="1143000"/>
+          </a:xfrm>
+        </p:spPr>
+        <p:txBody>
+          <a:bodyPr>
+            <a:normAutofit/>
+          </a:bodyPr>
+          <a:lstStyle/>
+          <a:p>
+            <a:pPr algn="ctr"/>
+            <a:r>
+              <a:rPr lang="fr-FR" dirty="0" smtClean="0"/>
+              <a:t>Moyens techniques</a:t>
+            </a:r>
+            <a:endParaRPr lang="fr-FR" dirty="0"/>
+          </a:p>
+        </p:txBody>
+      </p:sp>
+      <p:sp>
+        <p:nvSpPr>
+          <p:cNvPr id="5" name="Espace réservé du numéro de diapositive 4"/>
+          <p:cNvSpPr>
+            <a:spLocks noGrp="1"/>
+          </p:cNvSpPr>
+          <p:nvPr>
+            <p:ph type="sldNum" sz="quarter" idx="12"/>
+          </p:nvPr>
+        </p:nvSpPr>
+        <p:spPr/>
+        <p:txBody>
+          <a:bodyPr/>
+          <a:lstStyle/>
+          <a:p>
+            <a:fld id="{8445DAFC-00DE-4F33-9F2C-7CDA0BB3D3D2}" type="slidenum">
+              <a:rPr lang="fr-FR" smtClean="0"/>
+              <a:pPr/>
+              <a:t>6</a:t>
+            </a:fld>
+            <a:endParaRPr lang="fr-FR" dirty="0"/>
+          </a:p>
+        </p:txBody>
+      </p:sp>
+      <p:sp>
+        <p:nvSpPr>
+          <p:cNvPr id="6" name="Espace réservé du contenu 2"/>
+          <p:cNvSpPr>
+            <a:spLocks noGrp="1"/>
+          </p:cNvSpPr>
+          <p:nvPr>
+            <p:ph idx="1"/>
+          </p:nvPr>
+        </p:nvSpPr>
+        <p:spPr>
+          <a:xfrm>
+            <a:off x="500034" y="1571612"/>
+            <a:ext cx="8229600" cy="5000660"/>
+          </a:xfrm>
+        </p:spPr>
+        <p:txBody>
+          <a:bodyPr/>
+          <a:lstStyle/>
+          <a:p>
+            <a:pPr>
+              <a:buClr>
+                <a:schemeClr val="tx2">
+                  <a:lumMod val="75000"/>
+                </a:schemeClr>
+              </a:buClr>
+            </a:pPr>
+            <a:r>
+              <a:rPr lang="fr-FR" sz="2400" b="1" dirty="0" smtClean="0"/>
+              <a:t>4 entités :</a:t>
+            </a:r>
+          </a:p>
+          <a:p>
+            <a:pPr lvl="1">
+              <a:buClr>
+                <a:schemeClr val="tx2">
+                  <a:lumMod val="75000"/>
+                </a:schemeClr>
+              </a:buClr>
+            </a:pPr>
+            <a:r>
+              <a:rPr lang="fr-FR" sz="2200" b="1" dirty="0" smtClean="0"/>
+              <a:t>Personne</a:t>
+            </a:r>
+          </a:p>
+          <a:p>
+            <a:pPr lvl="1">
+              <a:buClr>
+                <a:schemeClr val="tx2">
+                  <a:lumMod val="75000"/>
+                </a:schemeClr>
+              </a:buClr>
+            </a:pPr>
+            <a:r>
+              <a:rPr lang="fr-FR" sz="2200" b="1" dirty="0" smtClean="0"/>
+              <a:t>Article</a:t>
+            </a:r>
+          </a:p>
+          <a:p>
+            <a:pPr lvl="1">
+              <a:buClr>
+                <a:schemeClr val="tx2">
+                  <a:lumMod val="75000"/>
+                </a:schemeClr>
+              </a:buClr>
+            </a:pPr>
+            <a:r>
+              <a:rPr lang="fr-FR" sz="2200" b="1" dirty="0" smtClean="0"/>
+              <a:t>Commentaire</a:t>
+            </a:r>
+          </a:p>
+          <a:p>
+            <a:pPr lvl="1">
+              <a:buClr>
+                <a:schemeClr val="tx2">
+                  <a:lumMod val="75000"/>
+                </a:schemeClr>
+              </a:buClr>
+            </a:pPr>
+            <a:r>
+              <a:rPr lang="fr-FR" sz="2200" b="1" dirty="0" err="1" smtClean="0"/>
+              <a:t>Personne_connecte</a:t>
+            </a:r>
+            <a:endParaRPr lang="fr-FR" sz="2200" b="1" dirty="0" smtClean="0"/>
+          </a:p>
+          <a:p>
+            <a:pPr>
+              <a:buClr>
+                <a:schemeClr val="tx2">
+                  <a:lumMod val="75000"/>
+                </a:schemeClr>
+              </a:buClr>
+            </a:pPr>
+            <a:endParaRPr lang="fr-FR" sz="2400" b="1" dirty="0" smtClean="0"/>
+          </a:p>
+          <a:p>
+            <a:pPr>
+              <a:buClr>
+                <a:schemeClr val="tx2">
+                  <a:lumMod val="75000"/>
+                </a:schemeClr>
+              </a:buClr>
+            </a:pPr>
+            <a:r>
+              <a:rPr lang="fr-FR" sz="2400" b="1" dirty="0" smtClean="0"/>
+              <a:t>Serveur Apache, scripts PHP, pages HTML, CSS</a:t>
+            </a:r>
+          </a:p>
+          <a:p>
+            <a:pPr>
+              <a:buClr>
+                <a:schemeClr val="tx2">
+                  <a:lumMod val="75000"/>
+                </a:schemeClr>
+              </a:buClr>
+            </a:pPr>
+            <a:endParaRPr lang="fr-FR" sz="2400" b="1" dirty="0" smtClean="0"/>
+          </a:p>
+          <a:p>
+            <a:pPr>
+              <a:buClr>
+                <a:schemeClr val="tx2">
+                  <a:lumMod val="75000"/>
+                </a:schemeClr>
+              </a:buClr>
+            </a:pPr>
+            <a:r>
+              <a:rPr lang="fr-FR" sz="2400" b="1" dirty="0" smtClean="0"/>
+              <a:t>Variable de session pour les utilisateurs authentifié et les </a:t>
+            </a:r>
+            <a:r>
+              <a:rPr lang="fr-FR" sz="2400" b="1" dirty="0" err="1" smtClean="0"/>
+              <a:t>captcha</a:t>
+            </a:r>
+            <a:endParaRPr lang="fr-FR" sz="2400" b="1" dirty="0" smtClean="0"/>
+          </a:p>
+          <a:p>
+            <a:pPr>
+              <a:buClr>
+                <a:schemeClr val="tx2">
+                  <a:lumMod val="75000"/>
+                </a:schemeClr>
+              </a:buClr>
+            </a:pPr>
+            <a:endParaRPr lang="fr-FR" sz="2400" b="1" dirty="0" smtClean="0"/>
+          </a:p>
+          <a:p>
+            <a:pPr>
+              <a:buClr>
+                <a:schemeClr val="tx2">
+                  <a:lumMod val="75000"/>
+                </a:schemeClr>
+              </a:buClr>
+            </a:pPr>
+            <a:endParaRPr lang="fr-FR" sz="2200" b="1" dirty="0" smtClean="0"/>
+          </a:p>
+          <a:p>
+            <a:pPr lvl="1">
+              <a:buClr>
+                <a:schemeClr val="tx2">
+                  <a:lumMod val="75000"/>
+                </a:schemeClr>
+              </a:buClr>
+              <a:buNone/>
+            </a:pPr>
+            <a:endParaRPr lang="fr-FR" sz="2200" dirty="0" smtClean="0"/>
+          </a:p>
+          <a:p>
+            <a:pPr lvl="1">
+              <a:buClr>
+                <a:schemeClr val="tx2">
+                  <a:lumMod val="75000"/>
+                </a:schemeClr>
+              </a:buClr>
+              <a:buFont typeface="Wingdings" pitchFamily="2" charset="2"/>
+              <a:buChar char="Ø"/>
+            </a:pPr>
+            <a:endParaRPr lang="fr-FR" sz="2200" dirty="0" smtClean="0"/>
+          </a:p>
+          <a:p>
+            <a:pPr>
+              <a:buClr>
+                <a:schemeClr val="tx2">
+                  <a:lumMod val="75000"/>
+                </a:schemeClr>
+              </a:buClr>
+              <a:buNone/>
+            </a:pPr>
+            <a:endParaRPr lang="fr-FR" sz="2200" dirty="0" smtClean="0"/>
+          </a:p>
+          <a:p>
+            <a:pPr lvl="1">
+              <a:buClr>
+                <a:schemeClr val="tx2">
+                  <a:lumMod val="75000"/>
+                </a:schemeClr>
+              </a:buClr>
+              <a:buFont typeface="Wingdings" pitchFamily="2" charset="2"/>
+              <a:buChar char="Ø"/>
+            </a:pPr>
+            <a:endParaRPr lang="fr-FR" sz="2000" dirty="0" smtClean="0"/>
+          </a:p>
+          <a:p>
+            <a:pPr lvl="1">
+              <a:buClr>
+                <a:schemeClr val="tx2">
+                  <a:lumMod val="75000"/>
+                </a:schemeClr>
+              </a:buClr>
+              <a:buNone/>
+            </a:pPr>
+            <a:endParaRPr lang="fr-FR" dirty="0" smtClean="0"/>
+          </a:p>
+          <a:p>
+            <a:pPr>
+              <a:buClr>
+                <a:schemeClr val="tx2">
+                  <a:lumMod val="75000"/>
+                </a:schemeClr>
+              </a:buClr>
+              <a:buFont typeface="Wingdings" pitchFamily="2" charset="2"/>
+              <a:buChar char="v"/>
+            </a:pPr>
+            <a:endParaRPr lang="fr-FR" dirty="0" smtClean="0"/>
+          </a:p>
+          <a:p>
+            <a:pPr marL="514350" indent="-514350">
+              <a:buFont typeface="Wingdings" pitchFamily="2" charset="2"/>
+              <a:buChar char="Ø"/>
+            </a:pPr>
+            <a:endParaRPr lang="fr-FR" dirty="0" smtClean="0"/>
+          </a:p>
+          <a:p>
+            <a:endParaRPr lang="fr-FR" dirty="0" smtClean="0"/>
+          </a:p>
+          <a:p>
+            <a:endParaRPr lang="fr-FR" dirty="0" smtClean="0"/>
+          </a:p>
+        </p:txBody>
+      </p:sp>
+    </p:spTree>
+  </p:cSld>
+  <p:clrMapOvr>
+    <a:masterClrMapping/>
+  </p:clrMapOvr>
+  <p:timing>
+    <p:tnLst>
+      <p:par>
+        <p:cTn id="1" dur="indefinite" restart="never" nodeType="tmRoot"/>
+      </p:par>
+    </p:tnLst>
+  </p:timing>
+</p:sld>
+</file>
+
 <file path=ppt/slides/slide7.xml><?xml version="1.0" encoding="utf-8"?>
 <p:sld xmlns:a="http://schemas.openxmlformats.org/drawingml/2006/main" xmlns:r="http://schemas.openxmlformats.org/officeDocument/2006/relationships" xmlns:p="http://schemas.openxmlformats.org/presentationml/2006/main">
   <p:cSld>
@@ -5951,15 +5577,13 @@
           </a:xfrm>
         </p:spPr>
         <p:txBody>
-          <a:bodyPr>
-            <a:normAutofit/>
-          </a:bodyPr>
+          <a:bodyPr/>
           <a:lstStyle/>
           <a:p>
             <a:pPr algn="ctr"/>
             <a:r>
               <a:rPr lang="fr-FR" dirty="0" smtClean="0"/>
-              <a:t>Moyens techniques</a:t>
+              <a:t>Principe</a:t>
             </a:r>
             <a:endParaRPr lang="fr-FR" dirty="0"/>
           </a:p>
@@ -5967,31 +5591,7 @@
       </p:sp>
       <p:sp>
         <p:nvSpPr>
-          <p:cNvPr id="5" name="Espace réservé du numéro de diapositive 4"/>
-          <p:cNvSpPr>
-            <a:spLocks noGrp="1"/>
-          </p:cNvSpPr>
-          <p:nvPr>
-            <p:ph type="sldNum" sz="quarter" idx="12"/>
-          </p:nvPr>
-        </p:nvSpPr>
-        <p:spPr/>
-        <p:txBody>
-          <a:bodyPr/>
-          <a:lstStyle/>
-          <a:p>
-            <a:fld id="{8445DAFC-00DE-4F33-9F2C-7CDA0BB3D3D2}" type="slidenum">
-              <a:rPr lang="fr-FR" smtClean="0"/>
-              <a:pPr/>
-              <a:t>7</a:t>
-            </a:fld>
-            <a:endParaRPr lang="fr-FR" dirty="0"/>
-          </a:p>
-        </p:txBody>
-      </p:sp>
-      <p:sp>
-        <p:nvSpPr>
-          <p:cNvPr id="6" name="Espace réservé du contenu 2"/>
+          <p:cNvPr id="3" name="Espace réservé du contenu 2"/>
           <p:cNvSpPr>
             <a:spLocks noGrp="1"/>
           </p:cNvSpPr>
@@ -6006,7 +5606,9 @@
           </a:xfrm>
         </p:spPr>
         <p:txBody>
-          <a:bodyPr/>
+          <a:bodyPr>
+            <a:normAutofit/>
+          </a:bodyPr>
           <a:lstStyle/>
           <a:p>
             <a:pPr>
@@ -6018,61 +5620,8 @@
             </a:pPr>
             <a:r>
               <a:rPr lang="fr-FR" sz="2400" b="1" dirty="0" smtClean="0"/>
-              <a:t>4 entités :</a:t>
-            </a:r>
-          </a:p>
-          <a:p>
-            <a:pPr lvl="1">
-              <a:buClr>
-                <a:schemeClr val="tx2">
-                  <a:lumMod val="75000"/>
-                </a:schemeClr>
-              </a:buClr>
-            </a:pPr>
-            <a:r>
-              <a:rPr lang="fr-FR" sz="2200" b="1" dirty="0" smtClean="0"/>
-              <a:t>Personne</a:t>
-            </a:r>
-          </a:p>
-          <a:p>
-            <a:pPr lvl="1">
-              <a:buClr>
-                <a:schemeClr val="tx2">
-                  <a:lumMod val="75000"/>
-                </a:schemeClr>
-              </a:buClr>
-            </a:pPr>
-            <a:r>
-              <a:rPr lang="fr-FR" sz="2200" b="1" dirty="0" smtClean="0"/>
-              <a:t>Article</a:t>
-            </a:r>
-          </a:p>
-          <a:p>
-            <a:pPr lvl="1">
-              <a:buClr>
-                <a:schemeClr val="tx2">
-                  <a:lumMod val="75000"/>
-                </a:schemeClr>
-              </a:buClr>
-            </a:pPr>
-            <a:r>
-              <a:rPr lang="fr-FR" sz="2200" b="1" dirty="0" smtClean="0"/>
-              <a:t>Commentaire</a:t>
-            </a:r>
-          </a:p>
-          <a:p>
-            <a:pPr lvl="1">
-              <a:buClr>
-                <a:schemeClr val="tx2">
-                  <a:lumMod val="75000"/>
-                </a:schemeClr>
-              </a:buClr>
-            </a:pPr>
-            <a:r>
-              <a:rPr lang="fr-FR" sz="2200" b="1" dirty="0" err="1" smtClean="0"/>
-              <a:t>Personne_connecte</a:t>
-            </a:r>
-            <a:endParaRPr lang="fr-FR" sz="2200" b="1" dirty="0" smtClean="0"/>
+              <a:t>Inscription libre et rapide</a:t>
+            </a:r>
           </a:p>
           <a:p>
             <a:pPr>
@@ -6094,7 +5643,7 @@
             </a:pPr>
             <a:r>
               <a:rPr lang="fr-FR" sz="2400" b="1" dirty="0" smtClean="0"/>
-              <a:t>Serveur Apache, scripts PHP, pages HTML, CSS</a:t>
+              <a:t>Chaque inscrit peut créer un ou plusieurs articles</a:t>
             </a:r>
           </a:p>
           <a:p>
@@ -6117,12 +5666,17 @@
             </a:pPr>
             <a:r>
               <a:rPr lang="fr-FR" sz="2400" b="1" dirty="0" smtClean="0"/>
-              <a:t>Variable de session pour les utilisateurs authentifié et les </a:t>
-            </a:r>
-            <a:r>
-              <a:rPr lang="fr-FR" sz="2400" b="1" dirty="0" err="1" smtClean="0"/>
-              <a:t>captcha</a:t>
-            </a:r>
+              <a:t>Chaque visiteur peut laisser un commentaire</a:t>
+            </a:r>
+          </a:p>
+          <a:p>
+            <a:pPr>
+              <a:buClr>
+                <a:schemeClr val="tx2">
+                  <a:lumMod val="75000"/>
+                </a:schemeClr>
+              </a:buClr>
+            </a:pPr>
             <a:endParaRPr lang="fr-FR" sz="2400" b="1" dirty="0" smtClean="0"/>
           </a:p>
           <a:p>
@@ -6132,6 +5686,43 @@
                   <a:lumMod val="75000"/>
                 </a:schemeClr>
               </a:buClr>
+            </a:pPr>
+            <a:r>
+              <a:rPr lang="fr-FR" sz="2400" b="1" dirty="0" smtClean="0"/>
+              <a:t>Lecture des commentaires possible pour les visiteurs</a:t>
+            </a:r>
+          </a:p>
+          <a:p>
+            <a:pPr>
+              <a:buClr>
+                <a:schemeClr val="tx2">
+                  <a:lumMod val="75000"/>
+                </a:schemeClr>
+              </a:buClr>
+            </a:pPr>
+            <a:endParaRPr lang="fr-FR" sz="2400" b="1" dirty="0" smtClean="0"/>
+          </a:p>
+          <a:p>
+            <a:pPr>
+              <a:buClr>
+                <a:schemeClr val="tx2">
+                  <a:lumMod val="75000"/>
+                </a:schemeClr>
+              </a:buClr>
+            </a:pPr>
+            <a:r>
+              <a:rPr lang="fr-FR" sz="2400" b="1" dirty="0" smtClean="0"/>
+              <a:t>Validation des commentaires par l’auteur de l’article</a:t>
+            </a:r>
+          </a:p>
+          <a:p>
+            <a:pPr>
+              <a:buClr>
+                <a:schemeClr val="tx2">
+                  <a:lumMod val="75000"/>
+                </a:schemeClr>
+              </a:buClr>
+              <a:buNone/>
             </a:pPr>
             <a:endParaRPr lang="fr-FR" sz="2400" b="1" dirty="0" smtClean="0"/>
           </a:p>
@@ -6226,6 +5817,30 @@
           </a:p>
           <a:p>
             <a:endParaRPr lang="fr-FR" dirty="0" smtClean="0"/>
+          </a:p>
+        </p:txBody>
+      </p:sp>
+      <p:sp>
+        <p:nvSpPr>
+          <p:cNvPr id="4" name="Espace réservé du numéro de diapositive 3"/>
+          <p:cNvSpPr>
+            <a:spLocks noGrp="1"/>
+          </p:cNvSpPr>
+          <p:nvPr>
+            <p:ph type="sldNum" sz="quarter" idx="12"/>
+          </p:nvPr>
+        </p:nvSpPr>
+        <p:spPr/>
+        <p:txBody>
+          <a:bodyPr/>
+          <a:lstStyle/>
+          <a:p>
+            <a:fld id="{8445DAFC-00DE-4F33-9F2C-7CDA0BB3D3D2}" type="slidenum">
+              <a:rPr lang="fr-FR" smtClean="0"/>
+              <a:pPr/>
+              <a:t>7</a:t>
+            </a:fld>
+            <a:endParaRPr lang="fr-FR" dirty="0"/>
           </a:p>
         </p:txBody>
       </p:sp>
@@ -6284,7 +5899,7 @@
             <a:pPr algn="ctr"/>
             <a:r>
               <a:rPr lang="fr-FR" dirty="0" smtClean="0"/>
-              <a:t>Principe</a:t>
+              <a:t>Ergonomie</a:t>
             </a:r>
             <a:endParaRPr lang="fr-FR" dirty="0"/>
           </a:p>
@@ -6292,7 +5907,31 @@
       </p:sp>
       <p:sp>
         <p:nvSpPr>
-          <p:cNvPr id="3" name="Espace réservé du contenu 2"/>
+          <p:cNvPr id="4" name="Espace réservé du numéro de diapositive 3"/>
+          <p:cNvSpPr>
+            <a:spLocks noGrp="1"/>
+          </p:cNvSpPr>
+          <p:nvPr>
+            <p:ph type="sldNum" sz="quarter" idx="12"/>
+          </p:nvPr>
+        </p:nvSpPr>
+        <p:spPr/>
+        <p:txBody>
+          <a:bodyPr/>
+          <a:lstStyle/>
+          <a:p>
+            <a:fld id="{8445DAFC-00DE-4F33-9F2C-7CDA0BB3D3D2}" type="slidenum">
+              <a:rPr lang="fr-FR" smtClean="0"/>
+              <a:pPr/>
+              <a:t>8</a:t>
+            </a:fld>
+            <a:endParaRPr lang="fr-FR" dirty="0"/>
+          </a:p>
+        </p:txBody>
+      </p:sp>
+      <p:sp>
+        <p:nvSpPr>
+          <p:cNvPr id="5" name="Espace réservé du contenu 2"/>
           <p:cNvSpPr>
             <a:spLocks noGrp="1"/>
           </p:cNvSpPr>
@@ -6321,8 +5960,17 @@
             </a:pPr>
             <a:r>
               <a:rPr lang="fr-FR" sz="2400" b="1" dirty="0" smtClean="0"/>
-              <a:t>Inscription libre et rapide</a:t>
-            </a:r>
+              <a:t>Fermeture automatique de la fenêtre de commentaire</a:t>
+            </a:r>
+          </a:p>
+          <a:p>
+            <a:pPr>
+              <a:buClr>
+                <a:schemeClr val="tx2">
+                  <a:lumMod val="75000"/>
+                </a:schemeClr>
+              </a:buClr>
+            </a:pPr>
             <a:endParaRPr lang="fr-FR" sz="2400" b="1" dirty="0" smtClean="0"/>
           </a:p>
           <a:p>
@@ -6333,6 +5981,19 @@
                 </a:schemeClr>
               </a:buClr>
             </a:pPr>
+            <a:r>
+              <a:rPr lang="fr-FR" sz="2400" b="1" dirty="0" smtClean="0"/>
+              <a:t>Liens inutiles caché</a:t>
+            </a:r>
+          </a:p>
+          <a:p>
+            <a:pPr>
+              <a:buClr>
+                <a:schemeClr val="tx2">
+                  <a:lumMod val="75000"/>
+                </a:schemeClr>
+              </a:buClr>
+            </a:pPr>
             <a:endParaRPr lang="fr-FR" sz="2400" b="1" dirty="0" smtClean="0"/>
           </a:p>
           <a:p>
@@ -6345,9 +6006,12 @@
             </a:pPr>
             <a:r>
               <a:rPr lang="fr-FR" sz="2400" b="1" dirty="0" smtClean="0"/>
-              <a:t>Chaque inscrit peut créer un ou plusieurs articles</a:t>
-            </a:r>
-            <a:endParaRPr lang="fr-FR" sz="2400" b="1" dirty="0" smtClean="0"/>
+              <a:t>Compteur de commentaires mis à jour </a:t>
+            </a:r>
+            <a:r>
+              <a:rPr lang="fr-FR" sz="2400" b="1" dirty="0" smtClean="0"/>
+              <a:t>automatiquement</a:t>
+            </a:r>
           </a:p>
           <a:p>
             <a:pPr>
@@ -6357,7 +6021,7 @@
                 </a:schemeClr>
               </a:buClr>
             </a:pPr>
-            <a:endParaRPr lang="fr-FR" sz="2400" b="1" dirty="0" smtClean="0"/>
+            <a:endParaRPr lang="fr-FR" sz="2400" b="1" dirty="0"/>
           </a:p>
           <a:p>
             <a:pPr>
@@ -6369,7 +6033,7 @@
             </a:pPr>
             <a:r>
               <a:rPr lang="fr-FR" sz="2400" b="1" dirty="0" smtClean="0"/>
-              <a:t>Chaque visiteur peut laisser un commentaire</a:t>
+              <a:t>Bouton ergonomique</a:t>
             </a:r>
           </a:p>
           <a:p>
@@ -6380,7 +6044,7 @@
                 </a:schemeClr>
               </a:buClr>
             </a:pPr>
-            <a:endParaRPr lang="fr-FR" sz="2400" b="1" dirty="0" smtClean="0"/>
+            <a:endParaRPr lang="fr-FR" sz="2400" b="1" dirty="0"/>
           </a:p>
           <a:p>
             <a:pPr>
@@ -6391,44 +6055,9 @@
               </a:buClr>
             </a:pPr>
             <a:r>
-              <a:rPr lang="fr-FR" sz="2400" b="1" dirty="0" smtClean="0"/>
-              <a:t>Lecture des commentaires possible pour les visiteurs</a:t>
-            </a:r>
-            <a:endParaRPr lang="fr-FR" sz="2400" b="1" dirty="0" smtClean="0"/>
-          </a:p>
-          <a:p>
-            <a:pPr>
-              <a:buClr>
-                <a:schemeClr val="tx2">
-                  <a:lumMod val="75000"/>
-                </a:schemeClr>
-              </a:buClr>
-            </a:pPr>
-            <a:endParaRPr lang="fr-FR" sz="2400" b="1" dirty="0" smtClean="0"/>
-          </a:p>
-          <a:p>
-            <a:pPr>
-              <a:buClr>
-                <a:schemeClr val="tx2">
-                  <a:lumMod val="75000"/>
-                </a:schemeClr>
-              </a:buClr>
-            </a:pPr>
-            <a:r>
-              <a:rPr lang="fr-FR" sz="2400" b="1" dirty="0" smtClean="0"/>
-              <a:t>Validation des commentaires par l’auteur de l’article</a:t>
-            </a:r>
-            <a:endParaRPr lang="fr-FR" sz="2400" b="1" dirty="0" smtClean="0"/>
-          </a:p>
-          <a:p>
-            <a:pPr>
-              <a:buClr>
-                <a:schemeClr val="tx2">
-                  <a:lumMod val="75000"/>
-                </a:schemeClr>
-              </a:buClr>
-              <a:buNone/>
-            </a:pPr>
+              <a:rPr lang="fr-FR" sz="2400" b="1" smtClean="0"/>
+              <a:t>Responsive Design</a:t>
+            </a:r>
             <a:endParaRPr lang="fr-FR" sz="2400" b="1" dirty="0" smtClean="0"/>
           </a:p>
           <a:p>
@@ -6522,30 +6151,6 @@
           </a:p>
           <a:p>
             <a:endParaRPr lang="fr-FR" dirty="0" smtClean="0"/>
-          </a:p>
-        </p:txBody>
-      </p:sp>
-      <p:sp>
-        <p:nvSpPr>
-          <p:cNvPr id="4" name="Espace réservé du numéro de diapositive 3"/>
-          <p:cNvSpPr>
-            <a:spLocks noGrp="1"/>
-          </p:cNvSpPr>
-          <p:nvPr>
-            <p:ph type="sldNum" sz="quarter" idx="12"/>
-          </p:nvPr>
-        </p:nvSpPr>
-        <p:spPr/>
-        <p:txBody>
-          <a:bodyPr/>
-          <a:lstStyle/>
-          <a:p>
-            <a:fld id="{8445DAFC-00DE-4F33-9F2C-7CDA0BB3D3D2}" type="slidenum">
-              <a:rPr lang="fr-FR" smtClean="0"/>
-              <a:pPr/>
-              <a:t>8</a:t>
-            </a:fld>
-            <a:endParaRPr lang="fr-FR" dirty="0"/>
           </a:p>
         </p:txBody>
       </p:sp>
@@ -6604,7 +6209,7 @@
             <a:pPr algn="ctr"/>
             <a:r>
               <a:rPr lang="fr-FR" dirty="0" smtClean="0"/>
-              <a:t>Ergonomie</a:t>
+              <a:t>Problèmes rencontrés</a:t>
             </a:r>
             <a:endParaRPr lang="fr-FR" dirty="0"/>
           </a:p>
@@ -6612,31 +6217,7 @@
       </p:sp>
       <p:sp>
         <p:nvSpPr>
-          <p:cNvPr id="4" name="Espace réservé du numéro de diapositive 3"/>
-          <p:cNvSpPr>
-            <a:spLocks noGrp="1"/>
-          </p:cNvSpPr>
-          <p:nvPr>
-            <p:ph type="sldNum" sz="quarter" idx="12"/>
-          </p:nvPr>
-        </p:nvSpPr>
-        <p:spPr/>
-        <p:txBody>
-          <a:bodyPr/>
-          <a:lstStyle/>
-          <a:p>
-            <a:fld id="{8445DAFC-00DE-4F33-9F2C-7CDA0BB3D3D2}" type="slidenum">
-              <a:rPr lang="fr-FR" smtClean="0"/>
-              <a:pPr/>
-              <a:t>9</a:t>
-            </a:fld>
-            <a:endParaRPr lang="fr-FR" dirty="0"/>
-          </a:p>
-        </p:txBody>
-      </p:sp>
-      <p:sp>
-        <p:nvSpPr>
-          <p:cNvPr id="5" name="Espace réservé du contenu 2"/>
+          <p:cNvPr id="3" name="Espace réservé du contenu 2"/>
           <p:cNvSpPr>
             <a:spLocks noGrp="1"/>
           </p:cNvSpPr>
@@ -6651,9 +6232,7 @@
           </a:xfrm>
         </p:spPr>
         <p:txBody>
-          <a:bodyPr>
-            <a:normAutofit/>
-          </a:bodyPr>
+          <a:bodyPr/>
           <a:lstStyle/>
           <a:p>
             <a:pPr>
@@ -6665,12 +6244,57 @@
             </a:pPr>
             <a:r>
               <a:rPr lang="fr-FR" sz="2400" b="1" dirty="0" smtClean="0"/>
-              <a:t>Fermeture automatique de la fen</a:t>
-            </a:r>
+              <a:t>Synchronisation des fichiers </a:t>
+            </a:r>
+            <a:r>
+              <a:rPr lang="fr-FR" sz="2400" b="1" dirty="0" smtClean="0">
+                <a:sym typeface="Wingdings" pitchFamily="2" charset="2"/>
+              </a:rPr>
+              <a:t> Utilisation de SVN</a:t>
+            </a:r>
+            <a:endParaRPr lang="fr-FR" sz="2400" b="1" dirty="0" smtClean="0"/>
+          </a:p>
+          <a:p>
+            <a:pPr>
+              <a:buClr>
+                <a:schemeClr val="tx2">
+                  <a:lumMod val="75000"/>
+                </a:schemeClr>
+              </a:buClr>
+            </a:pPr>
+            <a:endParaRPr lang="fr-FR" sz="2400" b="1" dirty="0" smtClean="0"/>
+          </a:p>
+          <a:p>
+            <a:pPr>
+              <a:buClr>
+                <a:schemeClr val="tx2">
+                  <a:lumMod val="75000"/>
+                </a:schemeClr>
+              </a:buClr>
+            </a:pPr>
+            <a:endParaRPr lang="fr-FR" sz="2400" b="1" dirty="0" smtClean="0"/>
+          </a:p>
+          <a:p>
+            <a:pPr>
+              <a:buClr>
+                <a:schemeClr val="tx2">
+                  <a:lumMod val="75000"/>
+                </a:schemeClr>
+              </a:buClr>
+            </a:pPr>
             <a:r>
               <a:rPr lang="fr-FR" sz="2400" b="1" dirty="0" smtClean="0"/>
-              <a:t>être de commentaire</a:t>
-            </a:r>
+              <a:t>Problèmes de comptabilité site en ligne</a:t>
+            </a:r>
+          </a:p>
+          <a:p>
+            <a:pPr>
+              <a:buClr>
+                <a:schemeClr val="tx2">
+                  <a:lumMod val="75000"/>
+                </a:schemeClr>
+              </a:buClr>
+            </a:pPr>
             <a:endParaRPr lang="fr-FR" sz="2400" b="1" dirty="0" smtClean="0"/>
           </a:p>
           <a:p>
@@ -6693,7 +6317,52 @@
             </a:pPr>
             <a:r>
               <a:rPr lang="fr-FR" sz="2400" b="1" dirty="0" smtClean="0"/>
-              <a:t>Liens inutiles caché</a:t>
+              <a:t>Organisation des fichiers </a:t>
+            </a:r>
+            <a:r>
+              <a:rPr lang="fr-FR" sz="2400" b="1" dirty="0" smtClean="0">
+                <a:sym typeface="Wingdings" pitchFamily="2" charset="2"/>
+              </a:rPr>
+              <a:t> Modèle MVC</a:t>
+            </a:r>
+          </a:p>
+          <a:p>
+            <a:pPr>
+              <a:buClr>
+                <a:schemeClr val="tx2">
+                  <a:lumMod val="75000"/>
+                </a:schemeClr>
+              </a:buClr>
+            </a:pPr>
+            <a:endParaRPr lang="fr-FR" sz="2400" b="1" dirty="0" smtClean="0">
+              <a:sym typeface="Wingdings" pitchFamily="2" charset="2"/>
+            </a:endParaRPr>
+          </a:p>
+          <a:p>
+            <a:pPr>
+              <a:buClr>
+                <a:schemeClr val="tx2">
+                  <a:lumMod val="75000"/>
+                </a:schemeClr>
+              </a:buClr>
+            </a:pPr>
+            <a:endParaRPr lang="fr-FR" sz="2400" b="1" dirty="0" smtClean="0">
+              <a:sym typeface="Wingdings" pitchFamily="2" charset="2"/>
+            </a:endParaRPr>
+          </a:p>
+          <a:p>
+            <a:pPr>
+              <a:buClr>
+                <a:schemeClr val="tx2">
+                  <a:lumMod val="75000"/>
+                </a:schemeClr>
+              </a:buClr>
+            </a:pPr>
+            <a:r>
+              <a:rPr lang="fr-FR" sz="2400" b="1" dirty="0" smtClean="0">
+                <a:sym typeface="Wingdings" pitchFamily="2" charset="2"/>
+              </a:rPr>
+              <a:t>Coupure internet chez l’un de nous</a:t>
             </a:r>
             <a:endParaRPr lang="fr-FR" sz="2400" b="1" dirty="0" smtClean="0"/>
           </a:p>
@@ -6704,6 +6373,7 @@
                   <a:lumMod val="75000"/>
                 </a:schemeClr>
               </a:buClr>
+              <a:buNone/>
             </a:pPr>
             <a:endParaRPr lang="fr-FR" sz="2400" b="1" dirty="0" smtClean="0"/>
           </a:p>
@@ -6715,10 +6385,7 @@
                 </a:schemeClr>
               </a:buClr>
             </a:pPr>
-            <a:r>
-              <a:rPr lang="fr-FR" sz="2400" b="1" dirty="0" smtClean="0"/>
-              <a:t>Compteur de commentaires mis à jour automatiquement</a:t>
-            </a:r>
+            <a:endParaRPr lang="fr-FR" sz="2400" b="1" dirty="0" smtClean="0"/>
           </a:p>
           <a:p>
             <a:pPr>
@@ -6727,6 +6394,7 @@
                   <a:lumMod val="75000"/>
                 </a:schemeClr>
               </a:buClr>
+              <a:buNone/>
             </a:pPr>
             <a:endParaRPr lang="fr-FR" sz="2400" b="1" dirty="0" smtClean="0"/>
           </a:p>
@@ -6737,45 +6405,6 @@
                   <a:lumMod val="75000"/>
                 </a:schemeClr>
               </a:buClr>
-            </a:pPr>
-            <a:r>
-              <a:rPr lang="fr-FR" sz="2400" b="1" dirty="0" smtClean="0"/>
-              <a:t>Lecture des commentaires possible pour les visiteurs</a:t>
-            </a:r>
-            <a:endParaRPr lang="fr-FR" sz="2400" b="1" dirty="0" smtClean="0"/>
-          </a:p>
-          <a:p>
-            <a:pPr>
-              <a:buClr>
-                <a:schemeClr val="tx2">
-                  <a:lumMod val="75000"/>
-                </a:schemeClr>
-              </a:buClr>
-            </a:pPr>
-            <a:endParaRPr lang="fr-FR" sz="2400" b="1" dirty="0" smtClean="0"/>
-          </a:p>
-          <a:p>
-            <a:pPr>
-              <a:buClr>
-                <a:schemeClr val="tx2">
-                  <a:lumMod val="75000"/>
-                </a:schemeClr>
-              </a:buClr>
-            </a:pPr>
-            <a:r>
-              <a:rPr lang="fr-FR" sz="2400" b="1" dirty="0" smtClean="0"/>
-              <a:t>Validation des commentaires par l’auteur de l’article</a:t>
-            </a:r>
-            <a:endParaRPr lang="fr-FR" sz="2400" b="1" dirty="0" smtClean="0"/>
-          </a:p>
-          <a:p>
-            <a:pPr>
-              <a:buClr>
-                <a:schemeClr val="tx2">
-                  <a:lumMod val="75000"/>
-                </a:schemeClr>
-              </a:buClr>
-              <a:buNone/>
             </a:pPr>
             <a:endParaRPr lang="fr-FR" sz="2400" b="1" dirty="0" smtClean="0"/>
           </a:p>
@@ -6870,6 +6499,30 @@
           </a:p>
           <a:p>
             <a:endParaRPr lang="fr-FR" dirty="0" smtClean="0"/>
+          </a:p>
+        </p:txBody>
+      </p:sp>
+      <p:sp>
+        <p:nvSpPr>
+          <p:cNvPr id="4" name="Espace réservé du numéro de diapositive 3"/>
+          <p:cNvSpPr>
+            <a:spLocks noGrp="1"/>
+          </p:cNvSpPr>
+          <p:nvPr>
+            <p:ph type="sldNum" sz="quarter" idx="12"/>
+          </p:nvPr>
+        </p:nvSpPr>
+        <p:spPr/>
+        <p:txBody>
+          <a:bodyPr/>
+          <a:lstStyle/>
+          <a:p>
+            <a:fld id="{8445DAFC-00DE-4F33-9F2C-7CDA0BB3D3D2}" type="slidenum">
+              <a:rPr lang="fr-FR" smtClean="0"/>
+              <a:pPr/>
+              <a:t>9</a:t>
+            </a:fld>
+            <a:endParaRPr lang="fr-FR" dirty="0"/>
           </a:p>
         </p:txBody>
       </p:sp>
